--- a/mkdocs/docs/images/src/simplerolloutandrollback.pptx
+++ b/mkdocs/docs/images/src/simplerolloutandrollback.pptx
@@ -197,7 +197,7 @@
           <a:p>
             <a:fld id="{38B78CBE-37FA-D241-BB4C-CAC5D3B25F49}" type="datetimeFigureOut">
               <a:rPr lang="en-US" smtClean="0"/>
-              <a:t>6/15/21</a:t>
+              <a:t>6/16/21</a:t>
             </a:fld>
             <a:endParaRPr lang="en-US"/>
           </a:p>
@@ -611,7 +611,7 @@
           <a:p>
             <a:fld id="{708812C5-0212-FD42-A0D4-E2E8FF4E3AF5}" type="datetime1">
               <a:rPr lang="en-US" smtClean="0"/>
-              <a:t>6/15/21</a:t>
+              <a:t>6/16/21</a:t>
             </a:fld>
             <a:endParaRPr lang="en-US"/>
           </a:p>
@@ -812,7 +812,7 @@
           <a:p>
             <a:fld id="{D232AC6F-41C3-B34B-9BAA-03ED2F3BC0F6}" type="datetime1">
               <a:rPr lang="en-US" smtClean="0"/>
-              <a:t>6/15/21</a:t>
+              <a:t>6/16/21</a:t>
             </a:fld>
             <a:endParaRPr lang="en-US"/>
           </a:p>
@@ -1023,7 +1023,7 @@
           <a:p>
             <a:fld id="{BEE140C2-F440-9D49-95CB-5965D64CC4A2}" type="datetime1">
               <a:rPr lang="en-US" smtClean="0"/>
-              <a:t>6/15/21</a:t>
+              <a:t>6/16/21</a:t>
             </a:fld>
             <a:endParaRPr lang="en-US"/>
           </a:p>
@@ -1224,7 +1224,7 @@
           <a:p>
             <a:fld id="{CC99F980-FB29-FD47-8508-150F73F1E8B0}" type="datetime1">
               <a:rPr lang="en-US" smtClean="0"/>
-              <a:t>6/15/21</a:t>
+              <a:t>6/16/21</a:t>
             </a:fld>
             <a:endParaRPr lang="en-US"/>
           </a:p>
@@ -1502,7 +1502,7 @@
           <a:p>
             <a:fld id="{D4510983-EA22-9643-8AC0-B3C6499B643B}" type="datetime1">
               <a:rPr lang="en-US" smtClean="0"/>
-              <a:t>6/15/21</a:t>
+              <a:t>6/16/21</a:t>
             </a:fld>
             <a:endParaRPr lang="en-US"/>
           </a:p>
@@ -1770,7 +1770,7 @@
           <a:p>
             <a:fld id="{D5A39195-967D-5D4E-8C6A-C99866996458}" type="datetime1">
               <a:rPr lang="en-US" smtClean="0"/>
-              <a:t>6/15/21</a:t>
+              <a:t>6/16/21</a:t>
             </a:fld>
             <a:endParaRPr lang="en-US"/>
           </a:p>
@@ -2185,7 +2185,7 @@
           <a:p>
             <a:fld id="{5AD771E9-C79D-684D-A158-5EB6E92DE947}" type="datetime1">
               <a:rPr lang="en-US" smtClean="0"/>
-              <a:t>6/15/21</a:t>
+              <a:t>6/16/21</a:t>
             </a:fld>
             <a:endParaRPr lang="en-US"/>
           </a:p>
@@ -2329,7 +2329,7 @@
           <a:p>
             <a:fld id="{693CA161-7E4C-5C4B-B799-DB602A0B9806}" type="datetime1">
               <a:rPr lang="en-US" smtClean="0"/>
-              <a:t>6/15/21</a:t>
+              <a:t>6/16/21</a:t>
             </a:fld>
             <a:endParaRPr lang="en-US"/>
           </a:p>
@@ -2445,7 +2445,7 @@
           <a:p>
             <a:fld id="{6D55FDF3-8BB2-6349-A5FA-057F3D78953D}" type="datetime1">
               <a:rPr lang="en-US" smtClean="0"/>
-              <a:t>6/15/21</a:t>
+              <a:t>6/16/21</a:t>
             </a:fld>
             <a:endParaRPr lang="en-US"/>
           </a:p>
@@ -2759,7 +2759,7 @@
           <a:p>
             <a:fld id="{EEDFACC0-3228-BA4B-942E-CEF38B0101FD}" type="datetime1">
               <a:rPr lang="en-US" smtClean="0"/>
-              <a:t>6/15/21</a:t>
+              <a:t>6/16/21</a:t>
             </a:fld>
             <a:endParaRPr lang="en-US"/>
           </a:p>
@@ -3050,7 +3050,7 @@
           <a:p>
             <a:fld id="{07EEEDBE-E24C-D140-B419-6D8D592D0F1C}" type="datetime1">
               <a:rPr lang="en-US" smtClean="0"/>
-              <a:t>6/15/21</a:t>
+              <a:t>6/16/21</a:t>
             </a:fld>
             <a:endParaRPr lang="en-US"/>
           </a:p>
@@ -3294,7 +3294,7 @@
           <a:p>
             <a:fld id="{E05781A2-A5EF-C54C-A3EF-F62483D37EDC}" type="datetime1">
               <a:rPr lang="en-US" smtClean="0"/>
-              <a:t>6/15/21</a:t>
+              <a:t>6/16/21</a:t>
             </a:fld>
             <a:endParaRPr lang="en-US"/>
           </a:p>
@@ -3729,8 +3729,8 @@
         </p:nvSpPr>
         <p:spPr>
           <a:xfrm>
-            <a:off x="47929" y="1433581"/>
-            <a:ext cx="12102031" cy="3611106"/>
+            <a:off x="147140" y="1433581"/>
+            <a:ext cx="11981794" cy="3611106"/>
           </a:xfrm>
           <a:prstGeom prst="rect">
             <a:avLst/>
@@ -3769,10 +3769,10 @@
       </p:sp>
       <p:sp>
         <p:nvSpPr>
-          <p:cNvPr id="73" name="Rounded Rectangle 72">
-            <a:extLst>
-              <a:ext uri="{FF2B5EF4-FFF2-40B4-BE49-F238E27FC236}">
-                <a16:creationId xmlns:a16="http://schemas.microsoft.com/office/drawing/2014/main" id="{39F0DDC4-5430-BB47-9C2F-EBD4073A9D4E}"/>
+          <p:cNvPr id="74" name="Rounded Rectangle 73">
+            <a:extLst>
+              <a:ext uri="{FF2B5EF4-FFF2-40B4-BE49-F238E27FC236}">
+                <a16:creationId xmlns:a16="http://schemas.microsoft.com/office/drawing/2014/main" id="{AA4A0D39-4BE5-3F4A-992A-DECC71058B5E}"/>
               </a:ext>
             </a:extLst>
           </p:cNvPr>
@@ -3781,90 +3781,7 @@
         </p:nvSpPr>
         <p:spPr>
           <a:xfrm>
-            <a:off x="9505169" y="2873617"/>
-            <a:ext cx="816445" cy="1041636"/>
-          </a:xfrm>
-          <a:prstGeom prst="roundRect">
-            <a:avLst/>
-          </a:prstGeom>
-          <a:solidFill>
-            <a:schemeClr val="bg1"/>
-          </a:solidFill>
-          <a:ln>
-            <a:solidFill>
-              <a:schemeClr val="bg1"/>
-            </a:solidFill>
-          </a:ln>
-        </p:spPr>
-        <p:style>
-          <a:lnRef idx="2">
-            <a:schemeClr val="accent1">
-              <a:shade val="50000"/>
-            </a:schemeClr>
-          </a:lnRef>
-          <a:fillRef idx="1">
-            <a:schemeClr val="accent1"/>
-          </a:fillRef>
-          <a:effectRef idx="0">
-            <a:schemeClr val="accent1"/>
-          </a:effectRef>
-          <a:fontRef idx="minor">
-            <a:schemeClr val="lt1"/>
-          </a:fontRef>
-        </p:style>
-        <p:txBody>
-          <a:bodyPr rtlCol="0" anchor="ctr"/>
-          <a:lstStyle/>
-          <a:p>
-            <a:pPr marL="0" marR="0" lvl="0" indent="0" algn="ctr" defTabSz="914400" rtl="0" eaLnBrk="1" fontAlgn="auto" latinLnBrk="0" hangingPunct="1">
-              <a:lnSpc>
-                <a:spcPct val="100000"/>
-              </a:lnSpc>
-              <a:spcBef>
-                <a:spcPts val="0"/>
-              </a:spcBef>
-              <a:spcAft>
-                <a:spcPts val="0"/>
-              </a:spcAft>
-              <a:buClrTx/>
-              <a:buSzTx/>
-              <a:buFontTx/>
-              <a:buNone/>
-              <a:tabLst/>
-              <a:defRPr/>
-            </a:pPr>
-            <a:endParaRPr kumimoji="0" lang="en-US" sz="1800" b="0" i="0" u="none" strike="noStrike" kern="1200" cap="none" spc="0" normalizeH="0" baseline="0" noProof="0">
-              <a:ln>
-                <a:noFill/>
-              </a:ln>
-              <a:solidFill>
-                <a:prstClr val="white"/>
-              </a:solidFill>
-              <a:effectLst/>
-              <a:uLnTx/>
-              <a:uFillTx/>
-              <a:latin typeface="Calibri" panose="020F0502020204030204"/>
-              <a:ea typeface="+mn-ea"/>
-              <a:cs typeface="+mn-cs"/>
-            </a:endParaRPr>
-          </a:p>
-        </p:txBody>
-      </p:sp>
-      <p:sp>
-        <p:nvSpPr>
-          <p:cNvPr id="74" name="Rounded Rectangle 73">
-            <a:extLst>
-              <a:ext uri="{FF2B5EF4-FFF2-40B4-BE49-F238E27FC236}">
-                <a16:creationId xmlns:a16="http://schemas.microsoft.com/office/drawing/2014/main" id="{AA4A0D39-4BE5-3F4A-992A-DECC71058B5E}"/>
-              </a:ext>
-            </a:extLst>
-          </p:cNvPr>
-          <p:cNvSpPr/>
-          <p:nvPr/>
-        </p:nvSpPr>
-        <p:spPr>
-          <a:xfrm>
-            <a:off x="8291916" y="1756819"/>
+            <a:off x="8439056" y="1756819"/>
             <a:ext cx="1170215" cy="674914"/>
           </a:xfrm>
           <a:prstGeom prst="roundRect">
@@ -3952,7 +3869,7 @@
         </p:nvSpPr>
         <p:spPr>
           <a:xfrm>
-            <a:off x="8143147" y="1886777"/>
+            <a:off x="8290287" y="1886777"/>
             <a:ext cx="1170215" cy="674914"/>
           </a:xfrm>
           <a:prstGeom prst="roundRect">
@@ -4040,7 +3957,7 @@
         </p:nvSpPr>
         <p:spPr>
           <a:xfrm>
-            <a:off x="5904451" y="1762092"/>
+            <a:off x="6051591" y="1762092"/>
             <a:ext cx="1170215" cy="674914"/>
           </a:xfrm>
           <a:prstGeom prst="roundRect">
@@ -4128,7 +4045,7 @@
         </p:nvSpPr>
         <p:spPr>
           <a:xfrm>
-            <a:off x="4790648" y="2895776"/>
+            <a:off x="4937788" y="2895776"/>
             <a:ext cx="1271030" cy="397329"/>
           </a:xfrm>
           <a:prstGeom prst="curvedUpArrow">
@@ -4219,7 +4136,7 @@
         </p:nvSpPr>
         <p:spPr>
           <a:xfrm>
-            <a:off x="1403666" y="2895776"/>
+            <a:off x="1550806" y="2895776"/>
             <a:ext cx="2144485" cy="397329"/>
           </a:xfrm>
           <a:prstGeom prst="curvedUpArrow">
@@ -4310,7 +4227,7 @@
         </p:nvSpPr>
         <p:spPr>
           <a:xfrm>
-            <a:off x="3383669" y="1777750"/>
+            <a:off x="3530809" y="1777750"/>
             <a:ext cx="1170215" cy="674914"/>
           </a:xfrm>
           <a:prstGeom prst="roundRect">
@@ -4398,7 +4315,7 @@
         </p:nvSpPr>
         <p:spPr>
           <a:xfrm>
-            <a:off x="3242155" y="1892050"/>
+            <a:off x="3389295" y="1892050"/>
             <a:ext cx="1170215" cy="674914"/>
           </a:xfrm>
           <a:prstGeom prst="roundRect">
@@ -4486,7 +4403,7 @@
         </p:nvSpPr>
         <p:spPr>
           <a:xfrm>
-            <a:off x="3106134" y="2028122"/>
+            <a:off x="3253274" y="2028122"/>
             <a:ext cx="1170215" cy="674914"/>
           </a:xfrm>
           <a:prstGeom prst="roundRect">
@@ -4576,7 +4493,7 @@
         </p:nvSpPr>
         <p:spPr>
           <a:xfrm>
-            <a:off x="2122908" y="3057822"/>
+            <a:off x="2270048" y="3057822"/>
             <a:ext cx="689886" cy="618939"/>
           </a:xfrm>
           <a:prstGeom prst="roundRect">
@@ -4673,7 +4590,7 @@
         </p:blipFill>
         <p:spPr>
           <a:xfrm>
-            <a:off x="536641" y="1935540"/>
+            <a:off x="683781" y="1935540"/>
             <a:ext cx="548640" cy="548640"/>
           </a:xfrm>
           <a:prstGeom prst="rect">
@@ -4709,7 +4626,7 @@
         </p:blipFill>
         <p:spPr>
           <a:xfrm>
-            <a:off x="13086" y="2762580"/>
+            <a:off x="160226" y="2762580"/>
             <a:ext cx="548640" cy="548640"/>
           </a:xfrm>
           <a:prstGeom prst="rect">
@@ -4745,7 +4662,7 @@
         </p:blipFill>
         <p:spPr>
           <a:xfrm>
-            <a:off x="475706" y="2420465"/>
+            <a:off x="622846" y="2420465"/>
             <a:ext cx="548640" cy="548640"/>
           </a:xfrm>
           <a:prstGeom prst="rect">
@@ -4781,7 +4698,7 @@
         </p:blipFill>
         <p:spPr>
           <a:xfrm>
-            <a:off x="0" y="3395496"/>
+            <a:off x="147140" y="3395496"/>
             <a:ext cx="548640" cy="548640"/>
           </a:xfrm>
           <a:prstGeom prst="rect">
@@ -4817,7 +4734,7 @@
         </p:blipFill>
         <p:spPr>
           <a:xfrm>
-            <a:off x="134710" y="2249664"/>
+            <a:off x="281850" y="2249664"/>
             <a:ext cx="548640" cy="548640"/>
           </a:xfrm>
           <a:prstGeom prst="rect">
@@ -4853,7 +4770,7 @@
         </p:blipFill>
         <p:spPr>
           <a:xfrm>
-            <a:off x="475706" y="2993464"/>
+            <a:off x="622846" y="2993464"/>
             <a:ext cx="548640" cy="548640"/>
           </a:xfrm>
           <a:prstGeom prst="rect">
@@ -4889,7 +4806,7 @@
         </p:blipFill>
         <p:spPr>
           <a:xfrm>
-            <a:off x="848168" y="3819324"/>
+            <a:off x="995308" y="3819324"/>
             <a:ext cx="548640" cy="548640"/>
           </a:xfrm>
           <a:prstGeom prst="rect">
@@ -4925,7 +4842,7 @@
         </p:blipFill>
         <p:spPr>
           <a:xfrm>
-            <a:off x="110739" y="3951405"/>
+            <a:off x="257879" y="3951405"/>
             <a:ext cx="548640" cy="548640"/>
           </a:xfrm>
           <a:prstGeom prst="rect">
@@ -4961,7 +4878,7 @@
         </p:blipFill>
         <p:spPr>
           <a:xfrm>
-            <a:off x="955739" y="2276964"/>
+            <a:off x="1102879" y="2276964"/>
             <a:ext cx="548640" cy="548640"/>
           </a:xfrm>
           <a:prstGeom prst="rect">
@@ -4997,7 +4914,7 @@
         </p:blipFill>
         <p:spPr>
           <a:xfrm>
-            <a:off x="946734" y="2800755"/>
+            <a:off x="1093874" y="2800755"/>
             <a:ext cx="548640" cy="548640"/>
           </a:xfrm>
           <a:prstGeom prst="rect">
@@ -5033,7 +4950,7 @@
         </p:blipFill>
         <p:spPr>
           <a:xfrm>
-            <a:off x="946734" y="3276948"/>
+            <a:off x="1093874" y="3276948"/>
             <a:ext cx="548640" cy="548640"/>
           </a:xfrm>
           <a:prstGeom prst="rect">
@@ -5069,7 +4986,7 @@
         </p:blipFill>
         <p:spPr>
           <a:xfrm>
-            <a:off x="423399" y="3535840"/>
+            <a:off x="570539" y="3535840"/>
             <a:ext cx="548640" cy="548640"/>
           </a:xfrm>
           <a:prstGeom prst="rect">
@@ -5091,7 +5008,7 @@
         </p:nvSpPr>
         <p:spPr>
           <a:xfrm>
-            <a:off x="5755682" y="1892050"/>
+            <a:off x="5902822" y="1892050"/>
             <a:ext cx="1170215" cy="674914"/>
           </a:xfrm>
           <a:prstGeom prst="roundRect">
@@ -5179,7 +5096,7 @@
         </p:nvSpPr>
         <p:spPr>
           <a:xfrm>
-            <a:off x="5625052" y="2028122"/>
+            <a:off x="5772192" y="2028122"/>
             <a:ext cx="1170215" cy="674914"/>
           </a:xfrm>
           <a:prstGeom prst="roundRect">
@@ -5269,7 +5186,7 @@
         </p:nvSpPr>
         <p:spPr>
           <a:xfrm>
-            <a:off x="4631567" y="3082772"/>
+            <a:off x="4778707" y="3082772"/>
             <a:ext cx="689886" cy="618939"/>
           </a:xfrm>
           <a:prstGeom prst="roundRect">
@@ -5352,7 +5269,7 @@
         </p:nvSpPr>
         <p:spPr>
           <a:xfrm>
-            <a:off x="4527238" y="2825604"/>
+            <a:off x="4674378" y="2825604"/>
             <a:ext cx="816445" cy="1041636"/>
           </a:xfrm>
           <a:prstGeom prst="roundRect">
@@ -5449,7 +5366,7 @@
         </p:blipFill>
         <p:spPr>
           <a:xfrm>
-            <a:off x="2018709" y="2971977"/>
+            <a:off x="2165849" y="2971977"/>
             <a:ext cx="914400" cy="914400"/>
           </a:xfrm>
           <a:prstGeom prst="rect">
@@ -5485,7 +5402,7 @@
         </p:blipFill>
         <p:spPr>
           <a:xfrm>
-            <a:off x="4532236" y="2971977"/>
+            <a:off x="4679376" y="2971977"/>
             <a:ext cx="914400" cy="914400"/>
           </a:xfrm>
           <a:prstGeom prst="rect">
@@ -5507,7 +5424,7 @@
         </p:nvSpPr>
         <p:spPr>
           <a:xfrm>
-            <a:off x="7175285" y="2895776"/>
+            <a:off x="7322425" y="2895776"/>
             <a:ext cx="1271030" cy="397329"/>
           </a:xfrm>
           <a:prstGeom prst="curvedUpArrow">
@@ -5598,7 +5515,7 @@
         </p:nvSpPr>
         <p:spPr>
           <a:xfrm>
-            <a:off x="8009689" y="2028122"/>
+            <a:off x="8156829" y="2028122"/>
             <a:ext cx="1170215" cy="674914"/>
           </a:xfrm>
           <a:prstGeom prst="roundRect">
@@ -5688,7 +5605,7 @@
         </p:nvSpPr>
         <p:spPr>
           <a:xfrm>
-            <a:off x="7030582" y="2815351"/>
+            <a:off x="7177722" y="2815351"/>
             <a:ext cx="816445" cy="1041636"/>
           </a:xfrm>
           <a:prstGeom prst="roundRect">
@@ -5785,7 +5702,7 @@
         </p:blipFill>
         <p:spPr>
           <a:xfrm>
-            <a:off x="7045205" y="2942587"/>
+            <a:off x="7192345" y="2942587"/>
             <a:ext cx="914400" cy="914400"/>
           </a:xfrm>
           <a:prstGeom prst="rect">
@@ -5795,89 +5712,6 @@
       </p:pic>
       <p:sp>
         <p:nvSpPr>
-          <p:cNvPr id="109" name="Rounded Rectangle 108">
-            <a:extLst>
-              <a:ext uri="{FF2B5EF4-FFF2-40B4-BE49-F238E27FC236}">
-                <a16:creationId xmlns:a16="http://schemas.microsoft.com/office/drawing/2014/main" id="{1BF1BE6D-2974-4745-AA19-57C542384B9D}"/>
-              </a:ext>
-            </a:extLst>
-          </p:cNvPr>
-          <p:cNvSpPr/>
-          <p:nvPr/>
-        </p:nvSpPr>
-        <p:spPr>
-          <a:xfrm>
-            <a:off x="9443248" y="2828577"/>
-            <a:ext cx="816445" cy="1041636"/>
-          </a:xfrm>
-          <a:prstGeom prst="roundRect">
-            <a:avLst/>
-          </a:prstGeom>
-          <a:solidFill>
-            <a:schemeClr val="bg1"/>
-          </a:solidFill>
-          <a:ln>
-            <a:solidFill>
-              <a:schemeClr val="bg1"/>
-            </a:solidFill>
-          </a:ln>
-        </p:spPr>
-        <p:style>
-          <a:lnRef idx="2">
-            <a:schemeClr val="accent1">
-              <a:shade val="50000"/>
-            </a:schemeClr>
-          </a:lnRef>
-          <a:fillRef idx="1">
-            <a:schemeClr val="accent1"/>
-          </a:fillRef>
-          <a:effectRef idx="0">
-            <a:schemeClr val="accent1"/>
-          </a:effectRef>
-          <a:fontRef idx="minor">
-            <a:schemeClr val="lt1"/>
-          </a:fontRef>
-        </p:style>
-        <p:txBody>
-          <a:bodyPr rtlCol="0" anchor="ctr"/>
-          <a:lstStyle/>
-          <a:p>
-            <a:pPr marL="0" marR="0" lvl="0" indent="0" algn="ctr" defTabSz="914400" rtl="0" eaLnBrk="1" fontAlgn="auto" latinLnBrk="0" hangingPunct="1">
-              <a:lnSpc>
-                <a:spcPct val="100000"/>
-              </a:lnSpc>
-              <a:spcBef>
-                <a:spcPts val="0"/>
-              </a:spcBef>
-              <a:spcAft>
-                <a:spcPts val="0"/>
-              </a:spcAft>
-              <a:buClrTx/>
-              <a:buSzTx/>
-              <a:buFontTx/>
-              <a:buNone/>
-              <a:tabLst/>
-              <a:defRPr/>
-            </a:pPr>
-            <a:endParaRPr kumimoji="0" lang="en-US" sz="1800" b="0" i="0" u="none" strike="noStrike" kern="1200" cap="none" spc="0" normalizeH="0" baseline="0" noProof="0">
-              <a:ln>
-                <a:noFill/>
-              </a:ln>
-              <a:solidFill>
-                <a:prstClr val="white"/>
-              </a:solidFill>
-              <a:effectLst/>
-              <a:uLnTx/>
-              <a:uFillTx/>
-              <a:latin typeface="Calibri" panose="020F0502020204030204"/>
-              <a:ea typeface="+mn-ea"/>
-              <a:cs typeface="+mn-cs"/>
-            </a:endParaRPr>
-          </a:p>
-        </p:txBody>
-      </p:sp>
-      <p:sp>
-        <p:nvSpPr>
           <p:cNvPr id="111" name="TextBox 110">
             <a:extLst>
               <a:ext uri="{FF2B5EF4-FFF2-40B4-BE49-F238E27FC236}">
@@ -5890,7 +5724,7 @@
         </p:nvSpPr>
         <p:spPr>
           <a:xfrm>
-            <a:off x="3206974" y="1433581"/>
+            <a:off x="3354114" y="1433581"/>
             <a:ext cx="968535" cy="369332"/>
           </a:xfrm>
           <a:prstGeom prst="rect">
@@ -5955,7 +5789,7 @@
         </p:nvSpPr>
         <p:spPr>
           <a:xfrm>
-            <a:off x="5725892" y="1433581"/>
+            <a:off x="5873032" y="1433581"/>
             <a:ext cx="968535" cy="369332"/>
           </a:xfrm>
           <a:prstGeom prst="rect">
@@ -6020,7 +5854,7 @@
         </p:nvSpPr>
         <p:spPr>
           <a:xfrm>
-            <a:off x="8110529" y="1433581"/>
+            <a:off x="8257669" y="1433581"/>
             <a:ext cx="968535" cy="369332"/>
           </a:xfrm>
           <a:prstGeom prst="rect">
@@ -6087,7 +5921,7 @@
         </p:nvCxnSpPr>
         <p:spPr>
           <a:xfrm>
-            <a:off x="134710" y="4604885"/>
+            <a:off x="281850" y="4604885"/>
             <a:ext cx="11683045" cy="1"/>
           </a:xfrm>
           <a:prstGeom prst="straightConnector1">
@@ -6131,7 +5965,7 @@
         </p:nvSpPr>
         <p:spPr>
           <a:xfrm>
-            <a:off x="5681262" y="4675355"/>
+            <a:off x="5828402" y="4675355"/>
             <a:ext cx="649537" cy="369332"/>
           </a:xfrm>
           <a:prstGeom prst="rect">
@@ -6196,7 +6030,7 @@
         </p:nvCxnSpPr>
         <p:spPr>
           <a:xfrm>
-            <a:off x="4612694" y="1757483"/>
+            <a:off x="4759834" y="1757483"/>
             <a:ext cx="0" cy="3157373"/>
           </a:xfrm>
           <a:prstGeom prst="line">
@@ -6232,7 +6066,7 @@
         </p:nvCxnSpPr>
         <p:spPr>
           <a:xfrm>
-            <a:off x="7126277" y="1802913"/>
+            <a:off x="7273417" y="1802913"/>
             <a:ext cx="0" cy="3157373"/>
           </a:xfrm>
           <a:prstGeom prst="line">
@@ -6268,7 +6102,7 @@
         </p:nvCxnSpPr>
         <p:spPr>
           <a:xfrm>
-            <a:off x="9525449" y="1802913"/>
+            <a:off x="9672589" y="1802913"/>
             <a:ext cx="0" cy="3157373"/>
           </a:xfrm>
           <a:prstGeom prst="line">
@@ -6304,7 +6138,7 @@
         </p:nvSpPr>
         <p:spPr>
           <a:xfrm>
-            <a:off x="10723074" y="1758605"/>
+            <a:off x="10870214" y="1758605"/>
             <a:ext cx="1170215" cy="674914"/>
           </a:xfrm>
           <a:prstGeom prst="roundRect">
@@ -6392,7 +6226,7 @@
         </p:nvSpPr>
         <p:spPr>
           <a:xfrm>
-            <a:off x="10574305" y="1888563"/>
+            <a:off x="10721445" y="1888563"/>
             <a:ext cx="1170215" cy="674914"/>
           </a:xfrm>
           <a:prstGeom prst="roundRect">
@@ -6480,7 +6314,7 @@
         </p:nvSpPr>
         <p:spPr>
           <a:xfrm>
-            <a:off x="10440847" y="2029908"/>
+            <a:off x="10587987" y="2029908"/>
             <a:ext cx="1170215" cy="674914"/>
           </a:xfrm>
           <a:prstGeom prst="roundRect">
@@ -6584,7 +6418,7 @@
         </p:blipFill>
         <p:spPr>
           <a:xfrm>
-            <a:off x="9777831" y="2089141"/>
+            <a:off x="9924971" y="2089141"/>
             <a:ext cx="570967" cy="570967"/>
           </a:xfrm>
           <a:prstGeom prst="rect">
@@ -6606,7 +6440,7 @@
         </p:nvSpPr>
         <p:spPr>
           <a:xfrm>
-            <a:off x="10738463" y="1435872"/>
+            <a:off x="10885603" y="1435872"/>
             <a:ext cx="841897" cy="369332"/>
           </a:xfrm>
           <a:prstGeom prst="rect">
@@ -6671,7 +6505,7 @@
         </p:nvSpPr>
         <p:spPr>
           <a:xfrm>
-            <a:off x="9663369" y="2776980"/>
+            <a:off x="9810509" y="2776980"/>
             <a:ext cx="816445" cy="1041636"/>
           </a:xfrm>
           <a:prstGeom prst="roundRect">
@@ -6729,359 +6563,6 @@
               </a:ln>
               <a:solidFill>
                 <a:prstClr val="white"/>
-              </a:solidFill>
-              <a:effectLst/>
-              <a:uLnTx/>
-              <a:uFillTx/>
-              <a:latin typeface="Calibri" panose="020F0502020204030204"/>
-              <a:ea typeface="+mn-ea"/>
-              <a:cs typeface="+mn-cs"/>
-            </a:endParaRPr>
-          </a:p>
-        </p:txBody>
-      </p:sp>
-      <p:sp>
-        <p:nvSpPr>
-          <p:cNvPr id="55" name="TextBox 54">
-            <a:extLst>
-              <a:ext uri="{FF2B5EF4-FFF2-40B4-BE49-F238E27FC236}">
-                <a16:creationId xmlns:a16="http://schemas.microsoft.com/office/drawing/2014/main" id="{B3D02A77-F0EB-894A-93DA-3B57AEEC19B8}"/>
-              </a:ext>
-            </a:extLst>
-          </p:cNvPr>
-          <p:cNvSpPr txBox="1"/>
-          <p:nvPr/>
-        </p:nvSpPr>
-        <p:spPr>
-          <a:xfrm>
-            <a:off x="10135780" y="3227302"/>
-            <a:ext cx="1165897" cy="369332"/>
-          </a:xfrm>
-          <a:prstGeom prst="rect">
-            <a:avLst/>
-          </a:prstGeom>
-          <a:noFill/>
-        </p:spPr>
-        <p:txBody>
-          <a:bodyPr wrap="none" rtlCol="0">
-            <a:spAutoFit/>
-          </a:bodyPr>
-          <a:lstStyle/>
-          <a:p>
-            <a:pPr marL="0" marR="0" lvl="0" indent="0" algn="l" defTabSz="914400" rtl="0" eaLnBrk="1" fontAlgn="auto" latinLnBrk="0" hangingPunct="1">
-              <a:lnSpc>
-                <a:spcPct val="100000"/>
-              </a:lnSpc>
-              <a:spcBef>
-                <a:spcPts val="0"/>
-              </a:spcBef>
-              <a:spcAft>
-                <a:spcPts val="0"/>
-              </a:spcAft>
-              <a:buClrTx/>
-              <a:buSzTx/>
-              <a:buFontTx/>
-              <a:buNone/>
-              <a:tabLst/>
-              <a:defRPr/>
-            </a:pPr>
-            <a:r>
-              <a:rPr kumimoji="0" lang="en-US" sz="1800" b="0" i="0" u="none" strike="noStrike" kern="1200" cap="none" spc="0" normalizeH="0" baseline="0" noProof="0" dirty="0">
-                <a:ln>
-                  <a:noFill/>
-                </a:ln>
-                <a:solidFill>
-                  <a:prstClr val="black"/>
-                </a:solidFill>
-                <a:effectLst/>
-                <a:uLnTx/>
-                <a:uFillTx/>
-                <a:latin typeface="Calibri" panose="020F0502020204030204"/>
-                <a:ea typeface="+mn-ea"/>
-                <a:cs typeface="+mn-cs"/>
-              </a:rPr>
-              <a:t>L</a:t>
-            </a:r>
-            <a:r>
-              <a:rPr kumimoji="0" lang="en-US" sz="1800" b="0" i="0" u="none" strike="noStrike" kern="1200" cap="none" spc="0" normalizeH="0" baseline="0" noProof="0" dirty="0" err="1">
-                <a:ln>
-                  <a:noFill/>
-                </a:ln>
-                <a:solidFill>
-                  <a:prstClr val="black"/>
-                </a:solidFill>
-                <a:effectLst/>
-                <a:uLnTx/>
-                <a:uFillTx/>
-                <a:latin typeface="Calibri" panose="020F0502020204030204"/>
-                <a:ea typeface="+mn-ea"/>
-                <a:cs typeface="+mn-cs"/>
-              </a:rPr>
-              <a:t>atency</a:t>
-            </a:r>
-            <a:r>
-              <a:rPr kumimoji="0" lang="en-US" sz="1800" b="0" i="0" u="none" strike="noStrike" kern="1200" cap="none" spc="0" normalizeH="0" baseline="0" noProof="0" dirty="0">
-                <a:ln>
-                  <a:noFill/>
-                </a:ln>
-                <a:solidFill>
-                  <a:prstClr val="black"/>
-                </a:solidFill>
-                <a:effectLst/>
-                <a:uLnTx/>
-                <a:uFillTx/>
-                <a:latin typeface="Calibri" panose="020F0502020204030204"/>
-                <a:ea typeface="+mn-ea"/>
-                <a:cs typeface="+mn-cs"/>
-              </a:rPr>
-              <a:t> </a:t>
-            </a:r>
-            <a:r>
-              <a:rPr kumimoji="0" lang="en-US" sz="1800" b="1" i="0" u="none" strike="noStrike" kern="1200" cap="none" spc="0" normalizeH="0" baseline="0" noProof="0" dirty="0">
-                <a:ln>
-                  <a:noFill/>
-                </a:ln>
-                <a:solidFill>
-                  <a:srgbClr val="70AD47">
-                    <a:lumMod val="50000"/>
-                  </a:srgbClr>
-                </a:solidFill>
-                <a:effectLst/>
-                <a:uLnTx/>
-                <a:uFillTx/>
-                <a:latin typeface="Calibri" panose="020F0502020204030204"/>
-                <a:ea typeface="+mn-ea"/>
-                <a:cs typeface="+mn-cs"/>
-              </a:rPr>
-              <a:t>↓</a:t>
-            </a:r>
-          </a:p>
-        </p:txBody>
-      </p:sp>
-      <p:pic>
-        <p:nvPicPr>
-          <p:cNvPr id="56" name="Graphic 55" descr="Checkbox Checked">
-            <a:extLst>
-              <a:ext uri="{FF2B5EF4-FFF2-40B4-BE49-F238E27FC236}">
-                <a16:creationId xmlns:a16="http://schemas.microsoft.com/office/drawing/2014/main" id="{D8967533-3A87-BA4B-8B21-34A32481BFD7}"/>
-              </a:ext>
-            </a:extLst>
-          </p:cNvPr>
-          <p:cNvPicPr>
-            <a:picLocks noChangeAspect="1"/>
-          </p:cNvPicPr>
-          <p:nvPr/>
-        </p:nvPicPr>
-        <p:blipFill>
-          <a:blip r:embed="rId26">
-            <a:extLst>
-              <a:ext uri="{96DAC541-7B7A-43D3-8B79-37D633B846F1}">
-                <asvg:svgBlip xmlns:asvg="http://schemas.microsoft.com/office/drawing/2016/SVG/main" r:embed="rId27"/>
-              </a:ext>
-            </a:extLst>
-          </a:blip>
-          <a:stretch>
-            <a:fillRect/>
-          </a:stretch>
-        </p:blipFill>
-        <p:spPr>
-          <a:xfrm>
-            <a:off x="9715164" y="3145064"/>
-            <a:ext cx="533808" cy="533808"/>
-          </a:xfrm>
-          <a:prstGeom prst="rect">
-            <a:avLst/>
-          </a:prstGeom>
-        </p:spPr>
-      </p:pic>
-      <p:sp>
-        <p:nvSpPr>
-          <p:cNvPr id="57" name="TextBox 56">
-            <a:extLst>
-              <a:ext uri="{FF2B5EF4-FFF2-40B4-BE49-F238E27FC236}">
-                <a16:creationId xmlns:a16="http://schemas.microsoft.com/office/drawing/2014/main" id="{9B1CFE54-4FDB-D94A-9AB8-7899E8F88024}"/>
-              </a:ext>
-            </a:extLst>
-          </p:cNvPr>
-          <p:cNvSpPr txBox="1"/>
-          <p:nvPr/>
-        </p:nvSpPr>
-        <p:spPr>
-          <a:xfrm>
-            <a:off x="10136243" y="3689642"/>
-            <a:ext cx="1343381" cy="369332"/>
-          </a:xfrm>
-          <a:prstGeom prst="rect">
-            <a:avLst/>
-          </a:prstGeom>
-          <a:noFill/>
-        </p:spPr>
-        <p:txBody>
-          <a:bodyPr wrap="none" rtlCol="0">
-            <a:spAutoFit/>
-          </a:bodyPr>
-          <a:lstStyle/>
-          <a:p>
-            <a:pPr marL="0" marR="0" lvl="0" indent="0" algn="l" defTabSz="914400" rtl="0" eaLnBrk="1" fontAlgn="auto" latinLnBrk="0" hangingPunct="1">
-              <a:lnSpc>
-                <a:spcPct val="100000"/>
-              </a:lnSpc>
-              <a:spcBef>
-                <a:spcPts val="0"/>
-              </a:spcBef>
-              <a:spcAft>
-                <a:spcPts val="0"/>
-              </a:spcAft>
-              <a:buClrTx/>
-              <a:buSzTx/>
-              <a:buFontTx/>
-              <a:buNone/>
-              <a:tabLst/>
-              <a:defRPr/>
-            </a:pPr>
-            <a:r>
-              <a:rPr kumimoji="0" lang="en-US" sz="1800" b="0" i="0" u="none" strike="noStrike" kern="1200" cap="none" spc="0" normalizeH="0" baseline="0" noProof="0" dirty="0">
-                <a:ln>
-                  <a:noFill/>
-                </a:ln>
-                <a:solidFill>
-                  <a:prstClr val="black"/>
-                </a:solidFill>
-                <a:effectLst/>
-                <a:uLnTx/>
-                <a:uFillTx/>
-                <a:latin typeface="Calibri" panose="020F0502020204030204"/>
-                <a:ea typeface="+mn-ea"/>
-                <a:cs typeface="+mn-cs"/>
-              </a:rPr>
-              <a:t>Error rate </a:t>
-            </a:r>
-            <a:r>
-              <a:rPr kumimoji="0" lang="en-US" sz="1800" b="1" i="0" u="none" strike="noStrike" kern="1200" cap="none" spc="0" normalizeH="0" baseline="0" noProof="0" dirty="0">
-                <a:ln>
-                  <a:noFill/>
-                </a:ln>
-                <a:solidFill>
-                  <a:srgbClr val="70AD47">
-                    <a:lumMod val="50000"/>
-                  </a:srgbClr>
-                </a:solidFill>
-                <a:effectLst/>
-                <a:uLnTx/>
-                <a:uFillTx/>
-                <a:latin typeface="Calibri" panose="020F0502020204030204"/>
-                <a:ea typeface="+mn-ea"/>
-                <a:cs typeface="+mn-cs"/>
-              </a:rPr>
-              <a:t>↓</a:t>
-            </a:r>
-          </a:p>
-        </p:txBody>
-      </p:sp>
-      <p:pic>
-        <p:nvPicPr>
-          <p:cNvPr id="58" name="Graphic 57" descr="Checkbox Checked">
-            <a:extLst>
-              <a:ext uri="{FF2B5EF4-FFF2-40B4-BE49-F238E27FC236}">
-                <a16:creationId xmlns:a16="http://schemas.microsoft.com/office/drawing/2014/main" id="{5100C235-150B-604E-8DBA-D632350E1B44}"/>
-              </a:ext>
-            </a:extLst>
-          </p:cNvPr>
-          <p:cNvPicPr>
-            <a:picLocks noChangeAspect="1"/>
-          </p:cNvPicPr>
-          <p:nvPr/>
-        </p:nvPicPr>
-        <p:blipFill>
-          <a:blip r:embed="rId26">
-            <a:extLst>
-              <a:ext uri="{96DAC541-7B7A-43D3-8B79-37D633B846F1}">
-                <asvg:svgBlip xmlns:asvg="http://schemas.microsoft.com/office/drawing/2016/SVG/main" r:embed="rId27"/>
-              </a:ext>
-            </a:extLst>
-          </a:blip>
-          <a:stretch>
-            <a:fillRect/>
-          </a:stretch>
-        </p:blipFill>
-        <p:spPr>
-          <a:xfrm>
-            <a:off x="9715627" y="3607404"/>
-            <a:ext cx="533808" cy="533808"/>
-          </a:xfrm>
-          <a:prstGeom prst="rect">
-            <a:avLst/>
-          </a:prstGeom>
-        </p:spPr>
-      </p:pic>
-      <p:sp>
-        <p:nvSpPr>
-          <p:cNvPr id="59" name="TextBox 58">
-            <a:extLst>
-              <a:ext uri="{FF2B5EF4-FFF2-40B4-BE49-F238E27FC236}">
-                <a16:creationId xmlns:a16="http://schemas.microsoft.com/office/drawing/2014/main" id="{BDE71BCD-2E2E-DE43-A45E-4AB4AD20CBC4}"/>
-              </a:ext>
-            </a:extLst>
-          </p:cNvPr>
-          <p:cNvSpPr txBox="1"/>
-          <p:nvPr/>
-        </p:nvSpPr>
-        <p:spPr>
-          <a:xfrm>
-            <a:off x="9754998" y="2869010"/>
-            <a:ext cx="634276" cy="369332"/>
-          </a:xfrm>
-          <a:prstGeom prst="rect">
-            <a:avLst/>
-          </a:prstGeom>
-          <a:noFill/>
-        </p:spPr>
-        <p:txBody>
-          <a:bodyPr wrap="none" rtlCol="0">
-            <a:spAutoFit/>
-          </a:bodyPr>
-          <a:lstStyle/>
-          <a:p>
-            <a:pPr marL="0" marR="0" lvl="0" indent="0" algn="l" defTabSz="914400" rtl="0" eaLnBrk="1" fontAlgn="auto" latinLnBrk="0" hangingPunct="1">
-              <a:lnSpc>
-                <a:spcPct val="100000"/>
-              </a:lnSpc>
-              <a:spcBef>
-                <a:spcPts val="0"/>
-              </a:spcBef>
-              <a:spcAft>
-                <a:spcPts val="0"/>
-              </a:spcAft>
-              <a:buClrTx/>
-              <a:buSzTx/>
-              <a:buFontTx/>
-              <a:buNone/>
-              <a:tabLst/>
-              <a:defRPr/>
-            </a:pPr>
-            <a:r>
-              <a:rPr kumimoji="0" lang="en-US" sz="1800" b="1" i="0" u="none" strike="noStrike" kern="1200" cap="none" spc="0" normalizeH="0" baseline="0" noProof="0">
-                <a:ln>
-                  <a:noFill/>
-                </a:ln>
-                <a:solidFill>
-                  <a:srgbClr val="C00000"/>
-                </a:solidFill>
-                <a:effectLst/>
-                <a:uLnTx/>
-                <a:uFillTx/>
-                <a:latin typeface="Calibri" panose="020F0502020204030204"/>
-                <a:ea typeface="+mn-ea"/>
-                <a:cs typeface="+mn-cs"/>
-              </a:rPr>
-              <a:t>SLOs</a:t>
-            </a:r>
-            <a:endParaRPr kumimoji="0" lang="en-US" sz="1800" b="1" i="0" u="none" strike="noStrike" kern="1200" cap="none" spc="0" normalizeH="0" baseline="0" noProof="0" dirty="0">
-              <a:ln>
-                <a:noFill/>
-              </a:ln>
-              <a:solidFill>
-                <a:srgbClr val="C00000"/>
               </a:solidFill>
               <a:effectLst/>
               <a:uLnTx/>
